--- a/_posts/2021-03-18-datavizmakeover-3/DVZM3_supporting_pictures.pptx
+++ b/_posts/2021-03-18-datavizmakeover-3/DVZM3_supporting_pictures.pptx
@@ -14,6 +14,13 @@
     <p:sldId id="262" r:id="rId8"/>
     <p:sldId id="263" r:id="rId9"/>
     <p:sldId id="264" r:id="rId10"/>
+    <p:sldId id="265" r:id="rId11"/>
+    <p:sldId id="266" r:id="rId12"/>
+    <p:sldId id="267" r:id="rId13"/>
+    <p:sldId id="268" r:id="rId14"/>
+    <p:sldId id="269" r:id="rId15"/>
+    <p:sldId id="270" r:id="rId16"/>
+    <p:sldId id="271" r:id="rId17"/>
   </p:sldIdLst>
   <p:sldSz cx="12192000" cy="6858000"/>
   <p:notesSz cx="6858000" cy="9144000"/>
@@ -3413,6 +3420,396 @@
 </p:sld>
 </file>
 
+<file path=ppt/slides/slide10.xml><?xml version="1.0" encoding="utf-8"?>
+<p:sld xmlns:a="http://schemas.openxmlformats.org/drawingml/2006/main" xmlns:r="http://schemas.openxmlformats.org/officeDocument/2006/relationships" xmlns:p="http://schemas.openxmlformats.org/presentationml/2006/main">
+  <p:cSld>
+    <p:spTree>
+      <p:nvGrpSpPr>
+        <p:cNvPr id="1" name=""/>
+        <p:cNvGrpSpPr/>
+        <p:nvPr/>
+      </p:nvGrpSpPr>
+      <p:grpSpPr>
+        <a:xfrm>
+          <a:off x="0" y="0"/>
+          <a:ext cx="0" cy="0"/>
+          <a:chOff x="0" y="0"/>
+          <a:chExt cx="0" cy="0"/>
+        </a:xfrm>
+      </p:grpSpPr>
+      <p:pic>
+        <p:nvPicPr>
+          <p:cNvPr id="3" name="Picture 2">
+            <a:extLst>
+              <a:ext uri="{FF2B5EF4-FFF2-40B4-BE49-F238E27FC236}">
+                <a16:creationId xmlns:a16="http://schemas.microsoft.com/office/drawing/2014/main" id="{98C2AFF1-4DEC-4D6E-9436-9BB461768F51}"/>
+              </a:ext>
+            </a:extLst>
+          </p:cNvPr>
+          <p:cNvPicPr>
+            <a:picLocks noChangeAspect="1"/>
+          </p:cNvPicPr>
+          <p:nvPr/>
+        </p:nvPicPr>
+        <p:blipFill>
+          <a:blip r:embed="rId2"/>
+          <a:stretch>
+            <a:fillRect/>
+          </a:stretch>
+        </p:blipFill>
+        <p:spPr>
+          <a:xfrm>
+            <a:off x="0" y="79633"/>
+            <a:ext cx="12192000" cy="6698733"/>
+          </a:xfrm>
+          <a:prstGeom prst="rect">
+            <a:avLst/>
+          </a:prstGeom>
+        </p:spPr>
+      </p:pic>
+    </p:spTree>
+    <p:extLst>
+      <p:ext uri="{BB962C8B-B14F-4D97-AF65-F5344CB8AC3E}">
+        <p14:creationId xmlns:p14="http://schemas.microsoft.com/office/powerpoint/2010/main" val="1511684157"/>
+      </p:ext>
+    </p:extLst>
+  </p:cSld>
+  <p:clrMapOvr>
+    <a:masterClrMapping/>
+  </p:clrMapOvr>
+</p:sld>
+</file>
+
+<file path=ppt/slides/slide11.xml><?xml version="1.0" encoding="utf-8"?>
+<p:sld xmlns:a="http://schemas.openxmlformats.org/drawingml/2006/main" xmlns:r="http://schemas.openxmlformats.org/officeDocument/2006/relationships" xmlns:p="http://schemas.openxmlformats.org/presentationml/2006/main">
+  <p:cSld>
+    <p:spTree>
+      <p:nvGrpSpPr>
+        <p:cNvPr id="1" name=""/>
+        <p:cNvGrpSpPr/>
+        <p:nvPr/>
+      </p:nvGrpSpPr>
+      <p:grpSpPr>
+        <a:xfrm>
+          <a:off x="0" y="0"/>
+          <a:ext cx="0" cy="0"/>
+          <a:chOff x="0" y="0"/>
+          <a:chExt cx="0" cy="0"/>
+        </a:xfrm>
+      </p:grpSpPr>
+      <p:pic>
+        <p:nvPicPr>
+          <p:cNvPr id="3" name="Picture 2">
+            <a:extLst>
+              <a:ext uri="{FF2B5EF4-FFF2-40B4-BE49-F238E27FC236}">
+                <a16:creationId xmlns:a16="http://schemas.microsoft.com/office/drawing/2014/main" id="{9FE6299A-B160-4941-91B7-C34317AEE9FC}"/>
+              </a:ext>
+            </a:extLst>
+          </p:cNvPr>
+          <p:cNvPicPr>
+            <a:picLocks noChangeAspect="1"/>
+          </p:cNvPicPr>
+          <p:nvPr/>
+        </p:nvPicPr>
+        <p:blipFill>
+          <a:blip r:embed="rId2"/>
+          <a:stretch>
+            <a:fillRect/>
+          </a:stretch>
+        </p:blipFill>
+        <p:spPr>
+          <a:xfrm>
+            <a:off x="382892" y="148272"/>
+            <a:ext cx="4382502" cy="3078506"/>
+          </a:xfrm>
+          <a:prstGeom prst="rect">
+            <a:avLst/>
+          </a:prstGeom>
+        </p:spPr>
+      </p:pic>
+      <p:pic>
+        <p:nvPicPr>
+          <p:cNvPr id="5" name="Picture 4">
+            <a:extLst>
+              <a:ext uri="{FF2B5EF4-FFF2-40B4-BE49-F238E27FC236}">
+                <a16:creationId xmlns:a16="http://schemas.microsoft.com/office/drawing/2014/main" id="{0BC748CB-E92A-486E-8C06-84A79EC8003C}"/>
+              </a:ext>
+            </a:extLst>
+          </p:cNvPr>
+          <p:cNvPicPr>
+            <a:picLocks noChangeAspect="1"/>
+          </p:cNvPicPr>
+          <p:nvPr/>
+        </p:nvPicPr>
+        <p:blipFill>
+          <a:blip r:embed="rId3"/>
+          <a:stretch>
+            <a:fillRect/>
+          </a:stretch>
+        </p:blipFill>
+        <p:spPr>
+          <a:xfrm>
+            <a:off x="5165005" y="148272"/>
+            <a:ext cx="6820852" cy="4039164"/>
+          </a:xfrm>
+          <a:prstGeom prst="rect">
+            <a:avLst/>
+          </a:prstGeom>
+        </p:spPr>
+      </p:pic>
+    </p:spTree>
+    <p:extLst>
+      <p:ext uri="{BB962C8B-B14F-4D97-AF65-F5344CB8AC3E}">
+        <p14:creationId xmlns:p14="http://schemas.microsoft.com/office/powerpoint/2010/main" val="3081985674"/>
+      </p:ext>
+    </p:extLst>
+  </p:cSld>
+  <p:clrMapOvr>
+    <a:masterClrMapping/>
+  </p:clrMapOvr>
+</p:sld>
+</file>
+
+<file path=ppt/slides/slide12.xml><?xml version="1.0" encoding="utf-8"?>
+<p:sld xmlns:a="http://schemas.openxmlformats.org/drawingml/2006/main" xmlns:r="http://schemas.openxmlformats.org/officeDocument/2006/relationships" xmlns:p="http://schemas.openxmlformats.org/presentationml/2006/main">
+  <p:cSld>
+    <p:spTree>
+      <p:nvGrpSpPr>
+        <p:cNvPr id="1" name=""/>
+        <p:cNvGrpSpPr/>
+        <p:nvPr/>
+      </p:nvGrpSpPr>
+      <p:grpSpPr>
+        <a:xfrm>
+          <a:off x="0" y="0"/>
+          <a:ext cx="0" cy="0"/>
+          <a:chOff x="0" y="0"/>
+          <a:chExt cx="0" cy="0"/>
+        </a:xfrm>
+      </p:grpSpPr>
+      <p:pic>
+        <p:nvPicPr>
+          <p:cNvPr id="3" name="Picture 2">
+            <a:extLst>
+              <a:ext uri="{FF2B5EF4-FFF2-40B4-BE49-F238E27FC236}">
+                <a16:creationId xmlns:a16="http://schemas.microsoft.com/office/drawing/2014/main" id="{C8E02968-EB69-45A3-80AD-EE9539B1D597}"/>
+              </a:ext>
+            </a:extLst>
+          </p:cNvPr>
+          <p:cNvPicPr>
+            <a:picLocks noChangeAspect="1"/>
+          </p:cNvPicPr>
+          <p:nvPr/>
+        </p:nvPicPr>
+        <p:blipFill>
+          <a:blip r:embed="rId2"/>
+          <a:stretch>
+            <a:fillRect/>
+          </a:stretch>
+        </p:blipFill>
+        <p:spPr>
+          <a:xfrm>
+            <a:off x="239796" y="133719"/>
+            <a:ext cx="7544853" cy="5201376"/>
+          </a:xfrm>
+          <a:prstGeom prst="rect">
+            <a:avLst/>
+          </a:prstGeom>
+        </p:spPr>
+      </p:pic>
+    </p:spTree>
+    <p:extLst>
+      <p:ext uri="{BB962C8B-B14F-4D97-AF65-F5344CB8AC3E}">
+        <p14:creationId xmlns:p14="http://schemas.microsoft.com/office/powerpoint/2010/main" val="189241340"/>
+      </p:ext>
+    </p:extLst>
+  </p:cSld>
+  <p:clrMapOvr>
+    <a:masterClrMapping/>
+  </p:clrMapOvr>
+</p:sld>
+</file>
+
+<file path=ppt/slides/slide13.xml><?xml version="1.0" encoding="utf-8"?>
+<p:sld xmlns:a="http://schemas.openxmlformats.org/drawingml/2006/main" xmlns:r="http://schemas.openxmlformats.org/officeDocument/2006/relationships" xmlns:p="http://schemas.openxmlformats.org/presentationml/2006/main">
+  <p:cSld>
+    <p:spTree>
+      <p:nvGrpSpPr>
+        <p:cNvPr id="1" name=""/>
+        <p:cNvGrpSpPr/>
+        <p:nvPr/>
+      </p:nvGrpSpPr>
+      <p:grpSpPr>
+        <a:xfrm>
+          <a:off x="0" y="0"/>
+          <a:ext cx="0" cy="0"/>
+          <a:chOff x="0" y="0"/>
+          <a:chExt cx="0" cy="0"/>
+        </a:xfrm>
+      </p:grpSpPr>
+      <p:pic>
+        <p:nvPicPr>
+          <p:cNvPr id="3" name="Picture 2">
+            <a:extLst>
+              <a:ext uri="{FF2B5EF4-FFF2-40B4-BE49-F238E27FC236}">
+                <a16:creationId xmlns:a16="http://schemas.microsoft.com/office/drawing/2014/main" id="{304F506D-3651-4DA7-877A-A7B7D37E9B82}"/>
+              </a:ext>
+            </a:extLst>
+          </p:cNvPr>
+          <p:cNvPicPr>
+            <a:picLocks noChangeAspect="1"/>
+          </p:cNvPicPr>
+          <p:nvPr/>
+        </p:nvPicPr>
+        <p:blipFill>
+          <a:blip r:embed="rId2"/>
+          <a:stretch>
+            <a:fillRect/>
+          </a:stretch>
+        </p:blipFill>
+        <p:spPr>
+          <a:xfrm>
+            <a:off x="0" y="511720"/>
+            <a:ext cx="12192000" cy="5834560"/>
+          </a:xfrm>
+          <a:prstGeom prst="rect">
+            <a:avLst/>
+          </a:prstGeom>
+        </p:spPr>
+      </p:pic>
+    </p:spTree>
+    <p:extLst>
+      <p:ext uri="{BB962C8B-B14F-4D97-AF65-F5344CB8AC3E}">
+        <p14:creationId xmlns:p14="http://schemas.microsoft.com/office/powerpoint/2010/main" val="238297292"/>
+      </p:ext>
+    </p:extLst>
+  </p:cSld>
+  <p:clrMapOvr>
+    <a:masterClrMapping/>
+  </p:clrMapOvr>
+</p:sld>
+</file>
+
+<file path=ppt/slides/slide14.xml><?xml version="1.0" encoding="utf-8"?>
+<p:sld xmlns:a="http://schemas.openxmlformats.org/drawingml/2006/main" xmlns:r="http://schemas.openxmlformats.org/officeDocument/2006/relationships" xmlns:p="http://schemas.openxmlformats.org/presentationml/2006/main">
+  <p:cSld>
+    <p:spTree>
+      <p:nvGrpSpPr>
+        <p:cNvPr id="1" name=""/>
+        <p:cNvGrpSpPr/>
+        <p:nvPr/>
+      </p:nvGrpSpPr>
+      <p:grpSpPr>
+        <a:xfrm>
+          <a:off x="0" y="0"/>
+          <a:ext cx="0" cy="0"/>
+          <a:chOff x="0" y="0"/>
+          <a:chExt cx="0" cy="0"/>
+        </a:xfrm>
+      </p:grpSpPr>
+      <p:pic>
+        <p:nvPicPr>
+          <p:cNvPr id="3" name="Picture 2">
+            <a:extLst>
+              <a:ext uri="{FF2B5EF4-FFF2-40B4-BE49-F238E27FC236}">
+                <a16:creationId xmlns:a16="http://schemas.microsoft.com/office/drawing/2014/main" id="{7D850190-C63E-41B2-BD73-163BDDDA9EAA}"/>
+              </a:ext>
+            </a:extLst>
+          </p:cNvPr>
+          <p:cNvPicPr>
+            <a:picLocks noChangeAspect="1"/>
+          </p:cNvPicPr>
+          <p:nvPr/>
+        </p:nvPicPr>
+        <p:blipFill>
+          <a:blip r:embed="rId2"/>
+          <a:stretch>
+            <a:fillRect/>
+          </a:stretch>
+        </p:blipFill>
+        <p:spPr>
+          <a:xfrm>
+            <a:off x="628477" y="441139"/>
+            <a:ext cx="2476846" cy="4410691"/>
+          </a:xfrm>
+          <a:prstGeom prst="rect">
+            <a:avLst/>
+          </a:prstGeom>
+        </p:spPr>
+      </p:pic>
+    </p:spTree>
+    <p:extLst>
+      <p:ext uri="{BB962C8B-B14F-4D97-AF65-F5344CB8AC3E}">
+        <p14:creationId xmlns:p14="http://schemas.microsoft.com/office/powerpoint/2010/main" val="2200434825"/>
+      </p:ext>
+    </p:extLst>
+  </p:cSld>
+  <p:clrMapOvr>
+    <a:masterClrMapping/>
+  </p:clrMapOvr>
+</p:sld>
+</file>
+
+<file path=ppt/slides/slide15.xml><?xml version="1.0" encoding="utf-8"?>
+<p:sld xmlns:a="http://schemas.openxmlformats.org/drawingml/2006/main" xmlns:r="http://schemas.openxmlformats.org/officeDocument/2006/relationships" xmlns:p="http://schemas.openxmlformats.org/presentationml/2006/main">
+  <p:cSld>
+    <p:spTree>
+      <p:nvGrpSpPr>
+        <p:cNvPr id="1" name=""/>
+        <p:cNvGrpSpPr/>
+        <p:nvPr/>
+      </p:nvGrpSpPr>
+      <p:grpSpPr>
+        <a:xfrm>
+          <a:off x="0" y="0"/>
+          <a:ext cx="0" cy="0"/>
+          <a:chOff x="0" y="0"/>
+          <a:chExt cx="0" cy="0"/>
+        </a:xfrm>
+      </p:grpSpPr>
+    </p:spTree>
+    <p:extLst>
+      <p:ext uri="{BB962C8B-B14F-4D97-AF65-F5344CB8AC3E}">
+        <p14:creationId xmlns:p14="http://schemas.microsoft.com/office/powerpoint/2010/main" val="1723722611"/>
+      </p:ext>
+    </p:extLst>
+  </p:cSld>
+  <p:clrMapOvr>
+    <a:masterClrMapping/>
+  </p:clrMapOvr>
+</p:sld>
+</file>
+
+<file path=ppt/slides/slide16.xml><?xml version="1.0" encoding="utf-8"?>
+<p:sld xmlns:a="http://schemas.openxmlformats.org/drawingml/2006/main" xmlns:r="http://schemas.openxmlformats.org/officeDocument/2006/relationships" xmlns:p="http://schemas.openxmlformats.org/presentationml/2006/main">
+  <p:cSld>
+    <p:spTree>
+      <p:nvGrpSpPr>
+        <p:cNvPr id="1" name=""/>
+        <p:cNvGrpSpPr/>
+        <p:nvPr/>
+      </p:nvGrpSpPr>
+      <p:grpSpPr>
+        <a:xfrm>
+          <a:off x="0" y="0"/>
+          <a:ext cx="0" cy="0"/>
+          <a:chOff x="0" y="0"/>
+          <a:chExt cx="0" cy="0"/>
+        </a:xfrm>
+      </p:grpSpPr>
+    </p:spTree>
+    <p:extLst>
+      <p:ext uri="{BB962C8B-B14F-4D97-AF65-F5344CB8AC3E}">
+        <p14:creationId xmlns:p14="http://schemas.microsoft.com/office/powerpoint/2010/main" val="2223107473"/>
+      </p:ext>
+    </p:extLst>
+  </p:cSld>
+  <p:clrMapOvr>
+    <a:masterClrMapping/>
+  </p:clrMapOvr>
+</p:sld>
+</file>
+
 <file path=ppt/slides/slide2.xml><?xml version="1.0" encoding="utf-8"?>
 <p:sld xmlns:a="http://schemas.openxmlformats.org/drawingml/2006/main" xmlns:r="http://schemas.openxmlformats.org/officeDocument/2006/relationships" xmlns:p="http://schemas.openxmlformats.org/presentationml/2006/main">
   <p:cSld>
@@ -3454,6 +3851,96 @@
           <a:xfrm>
             <a:off x="283774" y="213306"/>
             <a:ext cx="5080547" cy="2732117"/>
+          </a:xfrm>
+          <a:prstGeom prst="rect">
+            <a:avLst/>
+          </a:prstGeom>
+        </p:spPr>
+      </p:pic>
+      <p:pic>
+        <p:nvPicPr>
+          <p:cNvPr id="7" name="Picture 6">
+            <a:extLst>
+              <a:ext uri="{FF2B5EF4-FFF2-40B4-BE49-F238E27FC236}">
+                <a16:creationId xmlns:a16="http://schemas.microsoft.com/office/drawing/2014/main" id="{3CC8252C-C3D3-4260-A950-AD714F0DA5BC}"/>
+              </a:ext>
+            </a:extLst>
+          </p:cNvPr>
+          <p:cNvPicPr>
+            <a:picLocks noChangeAspect="1"/>
+          </p:cNvPicPr>
+          <p:nvPr/>
+        </p:nvPicPr>
+        <p:blipFill>
+          <a:blip r:embed="rId3"/>
+          <a:stretch>
+            <a:fillRect/>
+          </a:stretch>
+        </p:blipFill>
+        <p:spPr>
+          <a:xfrm>
+            <a:off x="5470542" y="213305"/>
+            <a:ext cx="5819593" cy="2732117"/>
+          </a:xfrm>
+          <a:prstGeom prst="rect">
+            <a:avLst/>
+          </a:prstGeom>
+        </p:spPr>
+      </p:pic>
+      <p:pic>
+        <p:nvPicPr>
+          <p:cNvPr id="9" name="Picture 8">
+            <a:extLst>
+              <a:ext uri="{FF2B5EF4-FFF2-40B4-BE49-F238E27FC236}">
+                <a16:creationId xmlns:a16="http://schemas.microsoft.com/office/drawing/2014/main" id="{9E45FD78-E179-47A9-83A7-6791C091C05B}"/>
+              </a:ext>
+            </a:extLst>
+          </p:cNvPr>
+          <p:cNvPicPr>
+            <a:picLocks noChangeAspect="1"/>
+          </p:cNvPicPr>
+          <p:nvPr/>
+        </p:nvPicPr>
+        <p:blipFill>
+          <a:blip r:embed="rId4"/>
+          <a:stretch>
+            <a:fillRect/>
+          </a:stretch>
+        </p:blipFill>
+        <p:spPr>
+          <a:xfrm>
+            <a:off x="250113" y="3224008"/>
+            <a:ext cx="5220429" cy="2924583"/>
+          </a:xfrm>
+          <a:prstGeom prst="rect">
+            <a:avLst/>
+          </a:prstGeom>
+        </p:spPr>
+      </p:pic>
+      <p:pic>
+        <p:nvPicPr>
+          <p:cNvPr id="13" name="Picture 12">
+            <a:extLst>
+              <a:ext uri="{FF2B5EF4-FFF2-40B4-BE49-F238E27FC236}">
+                <a16:creationId xmlns:a16="http://schemas.microsoft.com/office/drawing/2014/main" id="{A6637895-E0B2-4D2C-BF49-837426BB98CA}"/>
+              </a:ext>
+            </a:extLst>
+          </p:cNvPr>
+          <p:cNvPicPr>
+            <a:picLocks noChangeAspect="1"/>
+          </p:cNvPicPr>
+          <p:nvPr/>
+        </p:nvPicPr>
+        <p:blipFill>
+          <a:blip r:embed="rId5"/>
+          <a:stretch>
+            <a:fillRect/>
+          </a:stretch>
+        </p:blipFill>
+        <p:spPr>
+          <a:xfrm>
+            <a:off x="5793939" y="3224008"/>
+            <a:ext cx="5172797" cy="2924583"/>
           </a:xfrm>
           <a:prstGeom prst="rect">
             <a:avLst/>
@@ -3490,6 +3977,36 @@
           <a:chExt cx="0" cy="0"/>
         </a:xfrm>
       </p:grpSpPr>
+      <p:pic>
+        <p:nvPicPr>
+          <p:cNvPr id="5" name="Picture 4">
+            <a:extLst>
+              <a:ext uri="{FF2B5EF4-FFF2-40B4-BE49-F238E27FC236}">
+                <a16:creationId xmlns:a16="http://schemas.microsoft.com/office/drawing/2014/main" id="{51978479-38EC-49DB-909F-7FE18C90D554}"/>
+              </a:ext>
+            </a:extLst>
+          </p:cNvPr>
+          <p:cNvPicPr>
+            <a:picLocks noChangeAspect="1"/>
+          </p:cNvPicPr>
+          <p:nvPr/>
+        </p:nvPicPr>
+        <p:blipFill>
+          <a:blip r:embed="rId2"/>
+          <a:stretch>
+            <a:fillRect/>
+          </a:stretch>
+        </p:blipFill>
+        <p:spPr>
+          <a:xfrm>
+            <a:off x="0" y="3837"/>
+            <a:ext cx="12192000" cy="6850325"/>
+          </a:xfrm>
+          <a:prstGeom prst="rect">
+            <a:avLst/>
+          </a:prstGeom>
+        </p:spPr>
+      </p:pic>
     </p:spTree>
     <p:extLst>
       <p:ext uri="{BB962C8B-B14F-4D97-AF65-F5344CB8AC3E}">
@@ -3520,6 +4037,126 @@
           <a:chExt cx="0" cy="0"/>
         </a:xfrm>
       </p:grpSpPr>
+      <p:pic>
+        <p:nvPicPr>
+          <p:cNvPr id="3" name="Picture 2">
+            <a:extLst>
+              <a:ext uri="{FF2B5EF4-FFF2-40B4-BE49-F238E27FC236}">
+                <a16:creationId xmlns:a16="http://schemas.microsoft.com/office/drawing/2014/main" id="{E7B492D7-555B-4C25-9B02-CC0BC053AE0E}"/>
+              </a:ext>
+            </a:extLst>
+          </p:cNvPr>
+          <p:cNvPicPr>
+            <a:picLocks noChangeAspect="1"/>
+          </p:cNvPicPr>
+          <p:nvPr/>
+        </p:nvPicPr>
+        <p:blipFill>
+          <a:blip r:embed="rId2"/>
+          <a:stretch>
+            <a:fillRect/>
+          </a:stretch>
+        </p:blipFill>
+        <p:spPr>
+          <a:xfrm>
+            <a:off x="124563" y="125087"/>
+            <a:ext cx="5172797" cy="2915057"/>
+          </a:xfrm>
+          <a:prstGeom prst="rect">
+            <a:avLst/>
+          </a:prstGeom>
+        </p:spPr>
+      </p:pic>
+      <p:pic>
+        <p:nvPicPr>
+          <p:cNvPr id="5" name="Picture 4">
+            <a:extLst>
+              <a:ext uri="{FF2B5EF4-FFF2-40B4-BE49-F238E27FC236}">
+                <a16:creationId xmlns:a16="http://schemas.microsoft.com/office/drawing/2014/main" id="{61352CEA-D9C0-43C5-BB6C-D007A044337A}"/>
+              </a:ext>
+            </a:extLst>
+          </p:cNvPr>
+          <p:cNvPicPr>
+            <a:picLocks noChangeAspect="1"/>
+          </p:cNvPicPr>
+          <p:nvPr/>
+        </p:nvPicPr>
+        <p:blipFill>
+          <a:blip r:embed="rId3"/>
+          <a:stretch>
+            <a:fillRect/>
+          </a:stretch>
+        </p:blipFill>
+        <p:spPr>
+          <a:xfrm>
+            <a:off x="6227158" y="144140"/>
+            <a:ext cx="5153744" cy="2896004"/>
+          </a:xfrm>
+          <a:prstGeom prst="rect">
+            <a:avLst/>
+          </a:prstGeom>
+        </p:spPr>
+      </p:pic>
+      <p:pic>
+        <p:nvPicPr>
+          <p:cNvPr id="7" name="Picture 6">
+            <a:extLst>
+              <a:ext uri="{FF2B5EF4-FFF2-40B4-BE49-F238E27FC236}">
+                <a16:creationId xmlns:a16="http://schemas.microsoft.com/office/drawing/2014/main" id="{9F3FABAD-AE51-4F24-8D65-AB647BF11CC4}"/>
+              </a:ext>
+            </a:extLst>
+          </p:cNvPr>
+          <p:cNvPicPr>
+            <a:picLocks noChangeAspect="1"/>
+          </p:cNvPicPr>
+          <p:nvPr/>
+        </p:nvPicPr>
+        <p:blipFill>
+          <a:blip r:embed="rId4"/>
+          <a:stretch>
+            <a:fillRect/>
+          </a:stretch>
+        </p:blipFill>
+        <p:spPr>
+          <a:xfrm>
+            <a:off x="241129" y="3218496"/>
+            <a:ext cx="4201111" cy="3181794"/>
+          </a:xfrm>
+          <a:prstGeom prst="rect">
+            <a:avLst/>
+          </a:prstGeom>
+        </p:spPr>
+      </p:pic>
+      <p:pic>
+        <p:nvPicPr>
+          <p:cNvPr id="9" name="Picture 8">
+            <a:extLst>
+              <a:ext uri="{FF2B5EF4-FFF2-40B4-BE49-F238E27FC236}">
+                <a16:creationId xmlns:a16="http://schemas.microsoft.com/office/drawing/2014/main" id="{ACE0DADE-6106-4565-9A6E-552D003098D0}"/>
+              </a:ext>
+            </a:extLst>
+          </p:cNvPr>
+          <p:cNvPicPr>
+            <a:picLocks noChangeAspect="1"/>
+          </p:cNvPicPr>
+          <p:nvPr/>
+        </p:nvPicPr>
+        <p:blipFill>
+          <a:blip r:embed="rId5"/>
+          <a:stretch>
+            <a:fillRect/>
+          </a:stretch>
+        </p:blipFill>
+        <p:spPr>
+          <a:xfrm>
+            <a:off x="5613899" y="3293988"/>
+            <a:ext cx="5096586" cy="2819794"/>
+          </a:xfrm>
+          <a:prstGeom prst="rect">
+            <a:avLst/>
+          </a:prstGeom>
+        </p:spPr>
+      </p:pic>
     </p:spTree>
     <p:extLst>
       <p:ext uri="{BB962C8B-B14F-4D97-AF65-F5344CB8AC3E}">
@@ -3550,6 +4187,126 @@
           <a:chExt cx="0" cy="0"/>
         </a:xfrm>
       </p:grpSpPr>
+      <p:pic>
+        <p:nvPicPr>
+          <p:cNvPr id="3" name="Picture 2">
+            <a:extLst>
+              <a:ext uri="{FF2B5EF4-FFF2-40B4-BE49-F238E27FC236}">
+                <a16:creationId xmlns:a16="http://schemas.microsoft.com/office/drawing/2014/main" id="{BD6472A4-4A25-4BB4-9C54-0435D14C0E40}"/>
+              </a:ext>
+            </a:extLst>
+          </p:cNvPr>
+          <p:cNvPicPr>
+            <a:picLocks noChangeAspect="1"/>
+          </p:cNvPicPr>
+          <p:nvPr/>
+        </p:nvPicPr>
+        <p:blipFill>
+          <a:blip r:embed="rId2"/>
+          <a:stretch>
+            <a:fillRect/>
+          </a:stretch>
+        </p:blipFill>
+        <p:spPr>
+          <a:xfrm>
+            <a:off x="245093" y="184072"/>
+            <a:ext cx="5125165" cy="2867425"/>
+          </a:xfrm>
+          <a:prstGeom prst="rect">
+            <a:avLst/>
+          </a:prstGeom>
+        </p:spPr>
+      </p:pic>
+      <p:pic>
+        <p:nvPicPr>
+          <p:cNvPr id="5" name="Picture 4">
+            <a:extLst>
+              <a:ext uri="{FF2B5EF4-FFF2-40B4-BE49-F238E27FC236}">
+                <a16:creationId xmlns:a16="http://schemas.microsoft.com/office/drawing/2014/main" id="{B3E24B5B-E265-4397-A123-C62743116E86}"/>
+              </a:ext>
+            </a:extLst>
+          </p:cNvPr>
+          <p:cNvPicPr>
+            <a:picLocks noChangeAspect="1"/>
+          </p:cNvPicPr>
+          <p:nvPr/>
+        </p:nvPicPr>
+        <p:blipFill>
+          <a:blip r:embed="rId3"/>
+          <a:stretch>
+            <a:fillRect/>
+          </a:stretch>
+        </p:blipFill>
+        <p:spPr>
+          <a:xfrm>
+            <a:off x="5822352" y="207887"/>
+            <a:ext cx="5048955" cy="2819794"/>
+          </a:xfrm>
+          <a:prstGeom prst="rect">
+            <a:avLst/>
+          </a:prstGeom>
+        </p:spPr>
+      </p:pic>
+      <p:pic>
+        <p:nvPicPr>
+          <p:cNvPr id="7" name="Picture 6">
+            <a:extLst>
+              <a:ext uri="{FF2B5EF4-FFF2-40B4-BE49-F238E27FC236}">
+                <a16:creationId xmlns:a16="http://schemas.microsoft.com/office/drawing/2014/main" id="{388730E2-50DD-47B7-A3A9-A1DB38D1859C}"/>
+              </a:ext>
+            </a:extLst>
+          </p:cNvPr>
+          <p:cNvPicPr>
+            <a:picLocks noChangeAspect="1"/>
+          </p:cNvPicPr>
+          <p:nvPr/>
+        </p:nvPicPr>
+        <p:blipFill>
+          <a:blip r:embed="rId4"/>
+          <a:stretch>
+            <a:fillRect/>
+          </a:stretch>
+        </p:blipFill>
+        <p:spPr>
+          <a:xfrm>
+            <a:off x="283198" y="3337949"/>
+            <a:ext cx="5087060" cy="2819794"/>
+          </a:xfrm>
+          <a:prstGeom prst="rect">
+            <a:avLst/>
+          </a:prstGeom>
+        </p:spPr>
+      </p:pic>
+      <p:pic>
+        <p:nvPicPr>
+          <p:cNvPr id="9" name="Picture 8">
+            <a:extLst>
+              <a:ext uri="{FF2B5EF4-FFF2-40B4-BE49-F238E27FC236}">
+                <a16:creationId xmlns:a16="http://schemas.microsoft.com/office/drawing/2014/main" id="{E0E512F1-33C8-42DB-BB4E-8970BB153CF2}"/>
+              </a:ext>
+            </a:extLst>
+          </p:cNvPr>
+          <p:cNvPicPr>
+            <a:picLocks noChangeAspect="1"/>
+          </p:cNvPicPr>
+          <p:nvPr/>
+        </p:nvPicPr>
+        <p:blipFill>
+          <a:blip r:embed="rId5"/>
+          <a:stretch>
+            <a:fillRect/>
+          </a:stretch>
+        </p:blipFill>
+        <p:spPr>
+          <a:xfrm>
+            <a:off x="5822352" y="3429000"/>
+            <a:ext cx="5874452" cy="2692185"/>
+          </a:xfrm>
+          <a:prstGeom prst="rect">
+            <a:avLst/>
+          </a:prstGeom>
+        </p:spPr>
+      </p:pic>
     </p:spTree>
     <p:extLst>
       <p:ext uri="{BB962C8B-B14F-4D97-AF65-F5344CB8AC3E}">
@@ -3580,6 +4337,36 @@
           <a:chExt cx="0" cy="0"/>
         </a:xfrm>
       </p:grpSpPr>
+      <p:pic>
+        <p:nvPicPr>
+          <p:cNvPr id="3" name="Picture 2">
+            <a:extLst>
+              <a:ext uri="{FF2B5EF4-FFF2-40B4-BE49-F238E27FC236}">
+                <a16:creationId xmlns:a16="http://schemas.microsoft.com/office/drawing/2014/main" id="{74979ED4-3B60-4BBC-B327-8DD615B7C666}"/>
+              </a:ext>
+            </a:extLst>
+          </p:cNvPr>
+          <p:cNvPicPr>
+            <a:picLocks noChangeAspect="1"/>
+          </p:cNvPicPr>
+          <p:nvPr/>
+        </p:nvPicPr>
+        <p:blipFill>
+          <a:blip r:embed="rId2"/>
+          <a:stretch>
+            <a:fillRect/>
+          </a:stretch>
+        </p:blipFill>
+        <p:spPr>
+          <a:xfrm>
+            <a:off x="0" y="68580"/>
+            <a:ext cx="12192000" cy="6720840"/>
+          </a:xfrm>
+          <a:prstGeom prst="rect">
+            <a:avLst/>
+          </a:prstGeom>
+        </p:spPr>
+      </p:pic>
     </p:spTree>
     <p:extLst>
       <p:ext uri="{BB962C8B-B14F-4D97-AF65-F5344CB8AC3E}">
@@ -3610,6 +4397,96 @@
           <a:chExt cx="0" cy="0"/>
         </a:xfrm>
       </p:grpSpPr>
+      <p:pic>
+        <p:nvPicPr>
+          <p:cNvPr id="3" name="Picture 2">
+            <a:extLst>
+              <a:ext uri="{FF2B5EF4-FFF2-40B4-BE49-F238E27FC236}">
+                <a16:creationId xmlns:a16="http://schemas.microsoft.com/office/drawing/2014/main" id="{D3021401-7445-4FBB-AD43-B7182A96E83B}"/>
+              </a:ext>
+            </a:extLst>
+          </p:cNvPr>
+          <p:cNvPicPr>
+            <a:picLocks noChangeAspect="1"/>
+          </p:cNvPicPr>
+          <p:nvPr/>
+        </p:nvPicPr>
+        <p:blipFill>
+          <a:blip r:embed="rId2"/>
+          <a:stretch>
+            <a:fillRect/>
+          </a:stretch>
+        </p:blipFill>
+        <p:spPr>
+          <a:xfrm>
+            <a:off x="187218" y="151105"/>
+            <a:ext cx="5029902" cy="2810267"/>
+          </a:xfrm>
+          <a:prstGeom prst="rect">
+            <a:avLst/>
+          </a:prstGeom>
+        </p:spPr>
+      </p:pic>
+      <p:pic>
+        <p:nvPicPr>
+          <p:cNvPr id="5" name="Picture 4">
+            <a:extLst>
+              <a:ext uri="{FF2B5EF4-FFF2-40B4-BE49-F238E27FC236}">
+                <a16:creationId xmlns:a16="http://schemas.microsoft.com/office/drawing/2014/main" id="{6EBF6E55-A407-492F-81DB-8A11FE2D3E1D}"/>
+              </a:ext>
+            </a:extLst>
+          </p:cNvPr>
+          <p:cNvPicPr>
+            <a:picLocks noChangeAspect="1"/>
+          </p:cNvPicPr>
+          <p:nvPr/>
+        </p:nvPicPr>
+        <p:blipFill>
+          <a:blip r:embed="rId3"/>
+          <a:stretch>
+            <a:fillRect/>
+          </a:stretch>
+        </p:blipFill>
+        <p:spPr>
+          <a:xfrm>
+            <a:off x="5729652" y="151105"/>
+            <a:ext cx="3387972" cy="2808049"/>
+          </a:xfrm>
+          <a:prstGeom prst="rect">
+            <a:avLst/>
+          </a:prstGeom>
+        </p:spPr>
+      </p:pic>
+      <p:pic>
+        <p:nvPicPr>
+          <p:cNvPr id="7" name="Picture 6">
+            <a:extLst>
+              <a:ext uri="{FF2B5EF4-FFF2-40B4-BE49-F238E27FC236}">
+                <a16:creationId xmlns:a16="http://schemas.microsoft.com/office/drawing/2014/main" id="{65256B5E-A9FE-441A-85CE-7E26E8475BD7}"/>
+              </a:ext>
+            </a:extLst>
+          </p:cNvPr>
+          <p:cNvPicPr>
+            <a:picLocks noChangeAspect="1"/>
+          </p:cNvPicPr>
+          <p:nvPr/>
+        </p:nvPicPr>
+        <p:blipFill>
+          <a:blip r:embed="rId4"/>
+          <a:stretch>
+            <a:fillRect/>
+          </a:stretch>
+        </p:blipFill>
+        <p:spPr>
+          <a:xfrm>
+            <a:off x="125672" y="3429000"/>
+            <a:ext cx="5717489" cy="2583742"/>
+          </a:xfrm>
+          <a:prstGeom prst="rect">
+            <a:avLst/>
+          </a:prstGeom>
+        </p:spPr>
+      </p:pic>
     </p:spTree>
     <p:extLst>
       <p:ext uri="{BB962C8B-B14F-4D97-AF65-F5344CB8AC3E}">
@@ -3640,6 +4517,36 @@
           <a:chExt cx="0" cy="0"/>
         </a:xfrm>
       </p:grpSpPr>
+      <p:pic>
+        <p:nvPicPr>
+          <p:cNvPr id="3" name="Picture 2">
+            <a:extLst>
+              <a:ext uri="{FF2B5EF4-FFF2-40B4-BE49-F238E27FC236}">
+                <a16:creationId xmlns:a16="http://schemas.microsoft.com/office/drawing/2014/main" id="{4BF83676-EB51-40D7-B326-5DA07883544F}"/>
+              </a:ext>
+            </a:extLst>
+          </p:cNvPr>
+          <p:cNvPicPr>
+            <a:picLocks noChangeAspect="1"/>
+          </p:cNvPicPr>
+          <p:nvPr/>
+        </p:nvPicPr>
+        <p:blipFill>
+          <a:blip r:embed="rId2"/>
+          <a:stretch>
+            <a:fillRect/>
+          </a:stretch>
+        </p:blipFill>
+        <p:spPr>
+          <a:xfrm>
+            <a:off x="0" y="87630"/>
+            <a:ext cx="12192000" cy="6682740"/>
+          </a:xfrm>
+          <a:prstGeom prst="rect">
+            <a:avLst/>
+          </a:prstGeom>
+        </p:spPr>
+      </p:pic>
     </p:spTree>
     <p:extLst>
       <p:ext uri="{BB962C8B-B14F-4D97-AF65-F5344CB8AC3E}">
@@ -3670,6 +4577,96 @@
           <a:chExt cx="0" cy="0"/>
         </a:xfrm>
       </p:grpSpPr>
+      <p:pic>
+        <p:nvPicPr>
+          <p:cNvPr id="3" name="Picture 2">
+            <a:extLst>
+              <a:ext uri="{FF2B5EF4-FFF2-40B4-BE49-F238E27FC236}">
+                <a16:creationId xmlns:a16="http://schemas.microsoft.com/office/drawing/2014/main" id="{5F3D337C-B4EB-4D67-A677-82C0CBCA1AEC}"/>
+              </a:ext>
+            </a:extLst>
+          </p:cNvPr>
+          <p:cNvPicPr>
+            <a:picLocks noChangeAspect="1"/>
+          </p:cNvPicPr>
+          <p:nvPr/>
+        </p:nvPicPr>
+        <p:blipFill>
+          <a:blip r:embed="rId2"/>
+          <a:stretch>
+            <a:fillRect/>
+          </a:stretch>
+        </p:blipFill>
+        <p:spPr>
+          <a:xfrm>
+            <a:off x="614748" y="224291"/>
+            <a:ext cx="2133898" cy="2181529"/>
+          </a:xfrm>
+          <a:prstGeom prst="rect">
+            <a:avLst/>
+          </a:prstGeom>
+        </p:spPr>
+      </p:pic>
+      <p:pic>
+        <p:nvPicPr>
+          <p:cNvPr id="5" name="Picture 4">
+            <a:extLst>
+              <a:ext uri="{FF2B5EF4-FFF2-40B4-BE49-F238E27FC236}">
+                <a16:creationId xmlns:a16="http://schemas.microsoft.com/office/drawing/2014/main" id="{190786C0-4C17-4ED9-B650-034BA21D4EEC}"/>
+              </a:ext>
+            </a:extLst>
+          </p:cNvPr>
+          <p:cNvPicPr>
+            <a:picLocks noChangeAspect="1"/>
+          </p:cNvPicPr>
+          <p:nvPr/>
+        </p:nvPicPr>
+        <p:blipFill>
+          <a:blip r:embed="rId3"/>
+          <a:stretch>
+            <a:fillRect/>
+          </a:stretch>
+        </p:blipFill>
+        <p:spPr>
+          <a:xfrm>
+            <a:off x="3452203" y="224291"/>
+            <a:ext cx="1848108" cy="3067478"/>
+          </a:xfrm>
+          <a:prstGeom prst="rect">
+            <a:avLst/>
+          </a:prstGeom>
+        </p:spPr>
+      </p:pic>
+      <p:pic>
+        <p:nvPicPr>
+          <p:cNvPr id="7" name="Picture 6">
+            <a:extLst>
+              <a:ext uri="{FF2B5EF4-FFF2-40B4-BE49-F238E27FC236}">
+                <a16:creationId xmlns:a16="http://schemas.microsoft.com/office/drawing/2014/main" id="{E8384015-4A1B-4C50-89FE-E72EFEE045DE}"/>
+              </a:ext>
+            </a:extLst>
+          </p:cNvPr>
+          <p:cNvPicPr>
+            <a:picLocks noChangeAspect="1"/>
+          </p:cNvPicPr>
+          <p:nvPr/>
+        </p:nvPicPr>
+        <p:blipFill>
+          <a:blip r:embed="rId4"/>
+          <a:stretch>
+            <a:fillRect/>
+          </a:stretch>
+        </p:blipFill>
+        <p:spPr>
+          <a:xfrm>
+            <a:off x="5898309" y="396850"/>
+            <a:ext cx="5528095" cy="2487027"/>
+          </a:xfrm>
+          <a:prstGeom prst="rect">
+            <a:avLst/>
+          </a:prstGeom>
+        </p:spPr>
+      </p:pic>
     </p:spTree>
     <p:extLst>
       <p:ext uri="{BB962C8B-B14F-4D97-AF65-F5344CB8AC3E}">

--- a/_posts/2021-03-18-datavizmakeover-3/DVZM3_supporting_pictures.pptx
+++ b/_posts/2021-03-18-datavizmakeover-3/DVZM3_supporting_pictures.pptx
@@ -3767,6 +3767,36 @@
           <a:chExt cx="0" cy="0"/>
         </a:xfrm>
       </p:grpSpPr>
+      <p:pic>
+        <p:nvPicPr>
+          <p:cNvPr id="3" name="Picture 2">
+            <a:extLst>
+              <a:ext uri="{FF2B5EF4-FFF2-40B4-BE49-F238E27FC236}">
+                <a16:creationId xmlns:a16="http://schemas.microsoft.com/office/drawing/2014/main" id="{AFD15FC3-C0E6-4D11-8D86-E8DC8C4D2EB1}"/>
+              </a:ext>
+            </a:extLst>
+          </p:cNvPr>
+          <p:cNvPicPr>
+            <a:picLocks noChangeAspect="1"/>
+          </p:cNvPicPr>
+          <p:nvPr/>
+        </p:nvPicPr>
+        <p:blipFill>
+          <a:blip r:embed="rId2"/>
+          <a:stretch>
+            <a:fillRect/>
+          </a:stretch>
+        </p:blipFill>
+        <p:spPr>
+          <a:xfrm>
+            <a:off x="0" y="139763"/>
+            <a:ext cx="12192000" cy="6578473"/>
+          </a:xfrm>
+          <a:prstGeom prst="rect">
+            <a:avLst/>
+          </a:prstGeom>
+        </p:spPr>
+      </p:pic>
     </p:spTree>
     <p:extLst>
       <p:ext uri="{BB962C8B-B14F-4D97-AF65-F5344CB8AC3E}">
